--- a/flowdiagram.pptx
+++ b/flowdiagram.pptx
@@ -104,6 +104,11 @@
       </a:defRPr>
     </a:lvl9pPr>
   </p:defaultTextStyle>
+  <p:extLst>
+    <p:ext uri="{EFAFB233-063F-42B5-8137-9DF3F51BA10A}">
+      <p15:sldGuideLst xmlns:p15="http://schemas.microsoft.com/office/powerpoint/2012/main"/>
+    </p:ext>
+  </p:extLst>
 </p:presentation>
 </file>
 
@@ -238,7 +243,7 @@
           <a:p>
             <a:fld id="{8AF1F28E-6B94-A64F-B0BE-394E09FA3D13}" type="datetimeFigureOut">
               <a:rPr lang="en-US" smtClean="0"/>
-              <a:t>2/16/17</a:t>
+              <a:t>2/18/17</a:t>
             </a:fld>
             <a:endParaRPr lang="en-US"/>
           </a:p>
@@ -408,7 +413,7 @@
           <a:p>
             <a:fld id="{8AF1F28E-6B94-A64F-B0BE-394E09FA3D13}" type="datetimeFigureOut">
               <a:rPr lang="en-US" smtClean="0"/>
-              <a:t>2/16/17</a:t>
+              <a:t>2/18/17</a:t>
             </a:fld>
             <a:endParaRPr lang="en-US"/>
           </a:p>
@@ -588,7 +593,7 @@
           <a:p>
             <a:fld id="{8AF1F28E-6B94-A64F-B0BE-394E09FA3D13}" type="datetimeFigureOut">
               <a:rPr lang="en-US" smtClean="0"/>
-              <a:t>2/16/17</a:t>
+              <a:t>2/18/17</a:t>
             </a:fld>
             <a:endParaRPr lang="en-US"/>
           </a:p>
@@ -758,7 +763,7 @@
           <a:p>
             <a:fld id="{8AF1F28E-6B94-A64F-B0BE-394E09FA3D13}" type="datetimeFigureOut">
               <a:rPr lang="en-US" smtClean="0"/>
-              <a:t>2/16/17</a:t>
+              <a:t>2/18/17</a:t>
             </a:fld>
             <a:endParaRPr lang="en-US"/>
           </a:p>
@@ -1004,7 +1009,7 @@
           <a:p>
             <a:fld id="{8AF1F28E-6B94-A64F-B0BE-394E09FA3D13}" type="datetimeFigureOut">
               <a:rPr lang="en-US" smtClean="0"/>
-              <a:t>2/16/17</a:t>
+              <a:t>2/18/17</a:t>
             </a:fld>
             <a:endParaRPr lang="en-US"/>
           </a:p>
@@ -1236,7 +1241,7 @@
           <a:p>
             <a:fld id="{8AF1F28E-6B94-A64F-B0BE-394E09FA3D13}" type="datetimeFigureOut">
               <a:rPr lang="en-US" smtClean="0"/>
-              <a:t>2/16/17</a:t>
+              <a:t>2/18/17</a:t>
             </a:fld>
             <a:endParaRPr lang="en-US"/>
           </a:p>
@@ -1603,7 +1608,7 @@
           <a:p>
             <a:fld id="{8AF1F28E-6B94-A64F-B0BE-394E09FA3D13}" type="datetimeFigureOut">
               <a:rPr lang="en-US" smtClean="0"/>
-              <a:t>2/16/17</a:t>
+              <a:t>2/18/17</a:t>
             </a:fld>
             <a:endParaRPr lang="en-US"/>
           </a:p>
@@ -1721,7 +1726,7 @@
           <a:p>
             <a:fld id="{8AF1F28E-6B94-A64F-B0BE-394E09FA3D13}" type="datetimeFigureOut">
               <a:rPr lang="en-US" smtClean="0"/>
-              <a:t>2/16/17</a:t>
+              <a:t>2/18/17</a:t>
             </a:fld>
             <a:endParaRPr lang="en-US"/>
           </a:p>
@@ -1816,7 +1821,7 @@
           <a:p>
             <a:fld id="{8AF1F28E-6B94-A64F-B0BE-394E09FA3D13}" type="datetimeFigureOut">
               <a:rPr lang="en-US" smtClean="0"/>
-              <a:t>2/16/17</a:t>
+              <a:t>2/18/17</a:t>
             </a:fld>
             <a:endParaRPr lang="en-US"/>
           </a:p>
@@ -2093,7 +2098,7 @@
           <a:p>
             <a:fld id="{8AF1F28E-6B94-A64F-B0BE-394E09FA3D13}" type="datetimeFigureOut">
               <a:rPr lang="en-US" smtClean="0"/>
-              <a:t>2/16/17</a:t>
+              <a:t>2/18/17</a:t>
             </a:fld>
             <a:endParaRPr lang="en-US"/>
           </a:p>
@@ -2346,7 +2351,7 @@
           <a:p>
             <a:fld id="{8AF1F28E-6B94-A64F-B0BE-394E09FA3D13}" type="datetimeFigureOut">
               <a:rPr lang="en-US" smtClean="0"/>
-              <a:t>2/16/17</a:t>
+              <a:t>2/18/17</a:t>
             </a:fld>
             <a:endParaRPr lang="en-US"/>
           </a:p>
@@ -2559,7 +2564,7 @@
           <a:p>
             <a:fld id="{8AF1F28E-6B94-A64F-B0BE-394E09FA3D13}" type="datetimeFigureOut">
               <a:rPr lang="en-US" smtClean="0"/>
-              <a:t>2/16/17</a:t>
+              <a:t>2/18/17</a:t>
             </a:fld>
             <a:endParaRPr lang="en-US"/>
           </a:p>
@@ -2972,7 +2977,7 @@
         </p:nvSpPr>
         <p:spPr>
           <a:xfrm>
-            <a:off x="1995488" y="4943473"/>
+            <a:off x="1052513" y="4857748"/>
             <a:ext cx="1460500" cy="679449"/>
           </a:xfrm>
           <a:prstGeom prst="rect">
@@ -3030,7 +3035,7 @@
         </p:nvSpPr>
         <p:spPr>
           <a:xfrm>
-            <a:off x="1995488" y="1239281"/>
+            <a:off x="1052513" y="1153556"/>
             <a:ext cx="1460500" cy="679449"/>
           </a:xfrm>
           <a:prstGeom prst="rect">
@@ -3083,7 +3088,7 @@
         </p:nvSpPr>
         <p:spPr>
           <a:xfrm>
-            <a:off x="6515100" y="1209674"/>
+            <a:off x="5572125" y="1123949"/>
             <a:ext cx="1460500" cy="679449"/>
           </a:xfrm>
           <a:prstGeom prst="rect">
@@ -3136,7 +3141,7 @@
         </p:nvSpPr>
         <p:spPr>
           <a:xfrm>
-            <a:off x="6515100" y="4943472"/>
+            <a:off x="5572125" y="4857747"/>
             <a:ext cx="1460500" cy="679449"/>
           </a:xfrm>
           <a:prstGeom prst="rect">
@@ -3191,7 +3196,7 @@
         </p:nvCxnSpPr>
         <p:spPr>
           <a:xfrm>
-            <a:off x="3455988" y="1918731"/>
+            <a:off x="2513013" y="1833006"/>
             <a:ext cx="3059112" cy="3024741"/>
           </a:xfrm>
           <a:prstGeom prst="straightConnector1">
@@ -3231,7 +3236,7 @@
         </p:nvCxnSpPr>
         <p:spPr>
           <a:xfrm flipV="1">
-            <a:off x="7245350" y="1889123"/>
+            <a:off x="6302375" y="1803398"/>
             <a:ext cx="0" cy="3054349"/>
           </a:xfrm>
           <a:prstGeom prst="straightConnector1">
@@ -3271,7 +3276,7 @@
         </p:nvCxnSpPr>
         <p:spPr>
           <a:xfrm flipH="1">
-            <a:off x="3455988" y="5283197"/>
+            <a:off x="2513013" y="5197472"/>
             <a:ext cx="3059112" cy="1"/>
           </a:xfrm>
           <a:prstGeom prst="straightConnector1">
@@ -3311,7 +3316,7 @@
         </p:nvCxnSpPr>
         <p:spPr>
           <a:xfrm flipH="1">
-            <a:off x="3455988" y="1549399"/>
+            <a:off x="2513013" y="1463674"/>
             <a:ext cx="3059112" cy="29607"/>
           </a:xfrm>
           <a:prstGeom prst="straightConnector1">
@@ -3348,7 +3353,7 @@
         </p:nvSpPr>
         <p:spPr>
           <a:xfrm>
-            <a:off x="7245350" y="3046965"/>
+            <a:off x="6302375" y="2961240"/>
             <a:ext cx="614271" cy="369332"/>
           </a:xfrm>
           <a:prstGeom prst="rect">
@@ -3382,7 +3387,7 @@
         </p:nvSpPr>
         <p:spPr>
           <a:xfrm>
-            <a:off x="4673492" y="5253589"/>
+            <a:off x="3730517" y="5167864"/>
             <a:ext cx="982257" cy="646331"/>
           </a:xfrm>
           <a:prstGeom prst="rect">
@@ -3417,7 +3422,7 @@
         </p:nvSpPr>
         <p:spPr>
           <a:xfrm>
-            <a:off x="4654542" y="1549398"/>
+            <a:off x="3711567" y="1463673"/>
             <a:ext cx="1044068" cy="646331"/>
           </a:xfrm>
           <a:prstGeom prst="rect">
@@ -3452,7 +3457,7 @@
         </p:nvSpPr>
         <p:spPr>
           <a:xfrm>
-            <a:off x="2888205" y="3586538"/>
+            <a:off x="1945230" y="3500813"/>
             <a:ext cx="1433598" cy="923330"/>
           </a:xfrm>
           <a:prstGeom prst="rect">
@@ -3490,7 +3495,7 @@
         </p:nvCxnSpPr>
         <p:spPr>
           <a:xfrm flipV="1">
-            <a:off x="3455988" y="1889123"/>
+            <a:off x="2513013" y="1803398"/>
             <a:ext cx="3059112" cy="3054349"/>
           </a:xfrm>
           <a:prstGeom prst="straightConnector1">
@@ -3527,7 +3532,7 @@
         </p:nvSpPr>
         <p:spPr>
           <a:xfrm>
-            <a:off x="5422672" y="3586538"/>
+            <a:off x="4479697" y="3500813"/>
             <a:ext cx="1419876" cy="369332"/>
           </a:xfrm>
           <a:prstGeom prst="rect">
@@ -3556,7 +3561,7 @@
         </p:nvSpPr>
         <p:spPr>
           <a:xfrm>
-            <a:off x="9574212" y="4943472"/>
+            <a:off x="8631237" y="4857747"/>
             <a:ext cx="1460500" cy="679449"/>
           </a:xfrm>
           <a:prstGeom prst="rect">
@@ -3612,7 +3617,7 @@
         </p:nvCxnSpPr>
         <p:spPr>
           <a:xfrm flipH="1">
-            <a:off x="7975600" y="5283197"/>
+            <a:off x="7032625" y="5197472"/>
             <a:ext cx="1598612" cy="0"/>
           </a:xfrm>
           <a:prstGeom prst="straightConnector1">
@@ -3649,7 +3654,7 @@
         </p:nvSpPr>
         <p:spPr>
           <a:xfrm>
-            <a:off x="8035645" y="5407477"/>
+            <a:off x="7092670" y="5321752"/>
             <a:ext cx="1598612" cy="338554"/>
           </a:xfrm>
           <a:prstGeom prst="rect">
@@ -3664,13 +3669,143 @@
           <a:p>
             <a:r>
               <a:rPr lang="en-US" sz="1600" smtClean="0"/>
-              <a:t>Human L</a:t>
-            </a:r>
-            <a:r>
-              <a:rPr lang="en-US" sz="1600" smtClean="0"/>
-              <a:t>ocation</a:t>
+              <a:t>Human Location</a:t>
             </a:r>
             <a:endParaRPr lang="en-US" sz="1600" dirty="0" smtClean="0"/>
+          </a:p>
+        </p:txBody>
+      </p:sp>
+      <p:cxnSp>
+        <p:nvCxnSpPr>
+          <p:cNvPr id="19" name="Straight Arrow Connector 18"/>
+          <p:cNvCxnSpPr/>
+          <p:nvPr/>
+        </p:nvCxnSpPr>
+        <p:spPr>
+          <a:xfrm flipH="1">
+            <a:off x="2513013" y="1178296"/>
+            <a:ext cx="865815" cy="8380"/>
+          </a:xfrm>
+          <a:prstGeom prst="straightConnector1">
+            <a:avLst/>
+          </a:prstGeom>
+          <a:ln w="31750">
+            <a:solidFill>
+              <a:schemeClr val="tx1"/>
+            </a:solidFill>
+            <a:headEnd type="none" w="med" len="med"/>
+            <a:tailEnd type="triangle" w="lg" len="lg"/>
+          </a:ln>
+        </p:spPr>
+        <p:style>
+          <a:lnRef idx="1">
+            <a:schemeClr val="accent1"/>
+          </a:lnRef>
+          <a:fillRef idx="0">
+            <a:schemeClr val="accent1"/>
+          </a:fillRef>
+          <a:effectRef idx="0">
+            <a:schemeClr val="accent1"/>
+          </a:effectRef>
+          <a:fontRef idx="minor">
+            <a:schemeClr val="tx1"/>
+          </a:fontRef>
+        </p:style>
+      </p:cxnSp>
+      <p:sp>
+        <p:nvSpPr>
+          <p:cNvPr id="22" name="TextBox 21"/>
+          <p:cNvSpPr txBox="1"/>
+          <p:nvPr/>
+        </p:nvSpPr>
+        <p:spPr>
+          <a:xfrm>
+            <a:off x="2663508" y="814436"/>
+            <a:ext cx="1459054" cy="369332"/>
+          </a:xfrm>
+          <a:prstGeom prst="rect">
+            <a:avLst/>
+          </a:prstGeom>
+          <a:noFill/>
+        </p:spPr>
+        <p:txBody>
+          <a:bodyPr wrap="none" rtlCol="0">
+            <a:spAutoFit/>
+          </a:bodyPr>
+          <a:lstStyle/>
+          <a:p>
+            <a:r>
+              <a:rPr lang="en-US" dirty="0" err="1" smtClean="0"/>
+              <a:t>serialNumber</a:t>
+            </a:r>
+            <a:endParaRPr lang="en-US" dirty="0"/>
+          </a:p>
+        </p:txBody>
+      </p:sp>
+      <p:cxnSp>
+        <p:nvCxnSpPr>
+          <p:cNvPr id="23" name="Straight Arrow Connector 22"/>
+          <p:cNvCxnSpPr/>
+          <p:nvPr/>
+        </p:nvCxnSpPr>
+        <p:spPr>
+          <a:xfrm flipH="1">
+            <a:off x="10110787" y="5192000"/>
+            <a:ext cx="865815" cy="8380"/>
+          </a:xfrm>
+          <a:prstGeom prst="straightConnector1">
+            <a:avLst/>
+          </a:prstGeom>
+          <a:ln w="31750">
+            <a:solidFill>
+              <a:schemeClr val="tx1"/>
+            </a:solidFill>
+            <a:headEnd type="none" w="med" len="med"/>
+            <a:tailEnd type="triangle" w="lg" len="lg"/>
+          </a:ln>
+        </p:spPr>
+        <p:style>
+          <a:lnRef idx="1">
+            <a:schemeClr val="accent1"/>
+          </a:lnRef>
+          <a:fillRef idx="0">
+            <a:schemeClr val="accent1"/>
+          </a:fillRef>
+          <a:effectRef idx="0">
+            <a:schemeClr val="accent1"/>
+          </a:effectRef>
+          <a:fontRef idx="minor">
+            <a:schemeClr val="tx1"/>
+          </a:fontRef>
+        </p:style>
+      </p:cxnSp>
+      <p:sp>
+        <p:nvSpPr>
+          <p:cNvPr id="25" name="TextBox 24"/>
+          <p:cNvSpPr txBox="1"/>
+          <p:nvPr/>
+        </p:nvSpPr>
+        <p:spPr>
+          <a:xfrm>
+            <a:off x="10261282" y="4828140"/>
+            <a:ext cx="1459054" cy="369332"/>
+          </a:xfrm>
+          <a:prstGeom prst="rect">
+            <a:avLst/>
+          </a:prstGeom>
+          <a:noFill/>
+        </p:spPr>
+        <p:txBody>
+          <a:bodyPr wrap="none" rtlCol="0">
+            <a:spAutoFit/>
+          </a:bodyPr>
+          <a:lstStyle/>
+          <a:p>
+            <a:r>
+              <a:rPr lang="en-US" dirty="0" err="1" smtClean="0"/>
+              <a:t>serialNumber</a:t>
+            </a:r>
+            <a:endParaRPr lang="en-US" dirty="0"/>
           </a:p>
         </p:txBody>
       </p:sp>

--- a/flowdiagram.pptx
+++ b/flowdiagram.pptx
@@ -243,7 +243,7 @@
           <a:p>
             <a:fld id="{8AF1F28E-6B94-A64F-B0BE-394E09FA3D13}" type="datetimeFigureOut">
               <a:rPr lang="en-US" smtClean="0"/>
-              <a:t>2/18/17</a:t>
+              <a:t>2/19/17</a:t>
             </a:fld>
             <a:endParaRPr lang="en-US"/>
           </a:p>
@@ -413,7 +413,7 @@
           <a:p>
             <a:fld id="{8AF1F28E-6B94-A64F-B0BE-394E09FA3D13}" type="datetimeFigureOut">
               <a:rPr lang="en-US" smtClean="0"/>
-              <a:t>2/18/17</a:t>
+              <a:t>2/19/17</a:t>
             </a:fld>
             <a:endParaRPr lang="en-US"/>
           </a:p>
@@ -593,7 +593,7 @@
           <a:p>
             <a:fld id="{8AF1F28E-6B94-A64F-B0BE-394E09FA3D13}" type="datetimeFigureOut">
               <a:rPr lang="en-US" smtClean="0"/>
-              <a:t>2/18/17</a:t>
+              <a:t>2/19/17</a:t>
             </a:fld>
             <a:endParaRPr lang="en-US"/>
           </a:p>
@@ -763,7 +763,7 @@
           <a:p>
             <a:fld id="{8AF1F28E-6B94-A64F-B0BE-394E09FA3D13}" type="datetimeFigureOut">
               <a:rPr lang="en-US" smtClean="0"/>
-              <a:t>2/18/17</a:t>
+              <a:t>2/19/17</a:t>
             </a:fld>
             <a:endParaRPr lang="en-US"/>
           </a:p>
@@ -1009,7 +1009,7 @@
           <a:p>
             <a:fld id="{8AF1F28E-6B94-A64F-B0BE-394E09FA3D13}" type="datetimeFigureOut">
               <a:rPr lang="en-US" smtClean="0"/>
-              <a:t>2/18/17</a:t>
+              <a:t>2/19/17</a:t>
             </a:fld>
             <a:endParaRPr lang="en-US"/>
           </a:p>
@@ -1241,7 +1241,7 @@
           <a:p>
             <a:fld id="{8AF1F28E-6B94-A64F-B0BE-394E09FA3D13}" type="datetimeFigureOut">
               <a:rPr lang="en-US" smtClean="0"/>
-              <a:t>2/18/17</a:t>
+              <a:t>2/19/17</a:t>
             </a:fld>
             <a:endParaRPr lang="en-US"/>
           </a:p>
@@ -1608,7 +1608,7 @@
           <a:p>
             <a:fld id="{8AF1F28E-6B94-A64F-B0BE-394E09FA3D13}" type="datetimeFigureOut">
               <a:rPr lang="en-US" smtClean="0"/>
-              <a:t>2/18/17</a:t>
+              <a:t>2/19/17</a:t>
             </a:fld>
             <a:endParaRPr lang="en-US"/>
           </a:p>
@@ -1726,7 +1726,7 @@
           <a:p>
             <a:fld id="{8AF1F28E-6B94-A64F-B0BE-394E09FA3D13}" type="datetimeFigureOut">
               <a:rPr lang="en-US" smtClean="0"/>
-              <a:t>2/18/17</a:t>
+              <a:t>2/19/17</a:t>
             </a:fld>
             <a:endParaRPr lang="en-US"/>
           </a:p>
@@ -1821,7 +1821,7 @@
           <a:p>
             <a:fld id="{8AF1F28E-6B94-A64F-B0BE-394E09FA3D13}" type="datetimeFigureOut">
               <a:rPr lang="en-US" smtClean="0"/>
-              <a:t>2/18/17</a:t>
+              <a:t>2/19/17</a:t>
             </a:fld>
             <a:endParaRPr lang="en-US"/>
           </a:p>
@@ -2098,7 +2098,7 @@
           <a:p>
             <a:fld id="{8AF1F28E-6B94-A64F-B0BE-394E09FA3D13}" type="datetimeFigureOut">
               <a:rPr lang="en-US" smtClean="0"/>
-              <a:t>2/18/17</a:t>
+              <a:t>2/19/17</a:t>
             </a:fld>
             <a:endParaRPr lang="en-US"/>
           </a:p>
@@ -2351,7 +2351,7 @@
           <a:p>
             <a:fld id="{8AF1F28E-6B94-A64F-B0BE-394E09FA3D13}" type="datetimeFigureOut">
               <a:rPr lang="en-US" smtClean="0"/>
-              <a:t>2/18/17</a:t>
+              <a:t>2/19/17</a:t>
             </a:fld>
             <a:endParaRPr lang="en-US"/>
           </a:p>
@@ -2564,7 +2564,7 @@
           <a:p>
             <a:fld id="{8AF1F28E-6B94-A64F-B0BE-394E09FA3D13}" type="datetimeFigureOut">
               <a:rPr lang="en-US" smtClean="0"/>
-              <a:t>2/18/17</a:t>
+              <a:t>2/19/17</a:t>
             </a:fld>
             <a:endParaRPr lang="en-US"/>
           </a:p>
@@ -3443,9 +3443,14 @@
           </a:p>
           <a:p>
             <a:r>
-              <a:rPr lang="en-US" dirty="0" smtClean="0"/>
-              <a:t>Velocity</a:t>
-            </a:r>
+              <a:rPr lang="en-US" dirty="0" err="1" smtClean="0"/>
+              <a:t>S</a:t>
+            </a:r>
+            <a:r>
+              <a:rPr lang="en-US" dirty="0" err="1" smtClean="0"/>
+              <a:t>topFlag</a:t>
+            </a:r>
+            <a:endParaRPr lang="en-US" dirty="0" smtClean="0"/>
           </a:p>
         </p:txBody>
       </p:sp>

--- a/flowdiagram.pptx
+++ b/flowdiagram.pptx
@@ -243,7 +243,7 @@
           <a:p>
             <a:fld id="{8AF1F28E-6B94-A64F-B0BE-394E09FA3D13}" type="datetimeFigureOut">
               <a:rPr lang="en-US" smtClean="0"/>
-              <a:t>2/19/17</a:t>
+              <a:t>2/20/17</a:t>
             </a:fld>
             <a:endParaRPr lang="en-US"/>
           </a:p>
@@ -413,7 +413,7 @@
           <a:p>
             <a:fld id="{8AF1F28E-6B94-A64F-B0BE-394E09FA3D13}" type="datetimeFigureOut">
               <a:rPr lang="en-US" smtClean="0"/>
-              <a:t>2/19/17</a:t>
+              <a:t>2/20/17</a:t>
             </a:fld>
             <a:endParaRPr lang="en-US"/>
           </a:p>
@@ -593,7 +593,7 @@
           <a:p>
             <a:fld id="{8AF1F28E-6B94-A64F-B0BE-394E09FA3D13}" type="datetimeFigureOut">
               <a:rPr lang="en-US" smtClean="0"/>
-              <a:t>2/19/17</a:t>
+              <a:t>2/20/17</a:t>
             </a:fld>
             <a:endParaRPr lang="en-US"/>
           </a:p>
@@ -763,7 +763,7 @@
           <a:p>
             <a:fld id="{8AF1F28E-6B94-A64F-B0BE-394E09FA3D13}" type="datetimeFigureOut">
               <a:rPr lang="en-US" smtClean="0"/>
-              <a:t>2/19/17</a:t>
+              <a:t>2/20/17</a:t>
             </a:fld>
             <a:endParaRPr lang="en-US"/>
           </a:p>
@@ -1009,7 +1009,7 @@
           <a:p>
             <a:fld id="{8AF1F28E-6B94-A64F-B0BE-394E09FA3D13}" type="datetimeFigureOut">
               <a:rPr lang="en-US" smtClean="0"/>
-              <a:t>2/19/17</a:t>
+              <a:t>2/20/17</a:t>
             </a:fld>
             <a:endParaRPr lang="en-US"/>
           </a:p>
@@ -1241,7 +1241,7 @@
           <a:p>
             <a:fld id="{8AF1F28E-6B94-A64F-B0BE-394E09FA3D13}" type="datetimeFigureOut">
               <a:rPr lang="en-US" smtClean="0"/>
-              <a:t>2/19/17</a:t>
+              <a:t>2/20/17</a:t>
             </a:fld>
             <a:endParaRPr lang="en-US"/>
           </a:p>
@@ -1608,7 +1608,7 @@
           <a:p>
             <a:fld id="{8AF1F28E-6B94-A64F-B0BE-394E09FA3D13}" type="datetimeFigureOut">
               <a:rPr lang="en-US" smtClean="0"/>
-              <a:t>2/19/17</a:t>
+              <a:t>2/20/17</a:t>
             </a:fld>
             <a:endParaRPr lang="en-US"/>
           </a:p>
@@ -1726,7 +1726,7 @@
           <a:p>
             <a:fld id="{8AF1F28E-6B94-A64F-B0BE-394E09FA3D13}" type="datetimeFigureOut">
               <a:rPr lang="en-US" smtClean="0"/>
-              <a:t>2/19/17</a:t>
+              <a:t>2/20/17</a:t>
             </a:fld>
             <a:endParaRPr lang="en-US"/>
           </a:p>
@@ -1821,7 +1821,7 @@
           <a:p>
             <a:fld id="{8AF1F28E-6B94-A64F-B0BE-394E09FA3D13}" type="datetimeFigureOut">
               <a:rPr lang="en-US" smtClean="0"/>
-              <a:t>2/19/17</a:t>
+              <a:t>2/20/17</a:t>
             </a:fld>
             <a:endParaRPr lang="en-US"/>
           </a:p>
@@ -2098,7 +2098,7 @@
           <a:p>
             <a:fld id="{8AF1F28E-6B94-A64F-B0BE-394E09FA3D13}" type="datetimeFigureOut">
               <a:rPr lang="en-US" smtClean="0"/>
-              <a:t>2/19/17</a:t>
+              <a:t>2/20/17</a:t>
             </a:fld>
             <a:endParaRPr lang="en-US"/>
           </a:p>
@@ -2351,7 +2351,7 @@
           <a:p>
             <a:fld id="{8AF1F28E-6B94-A64F-B0BE-394E09FA3D13}" type="datetimeFigureOut">
               <a:rPr lang="en-US" smtClean="0"/>
-              <a:t>2/19/17</a:t>
+              <a:t>2/20/17</a:t>
             </a:fld>
             <a:endParaRPr lang="en-US"/>
           </a:p>
@@ -2564,7 +2564,7 @@
           <a:p>
             <a:fld id="{8AF1F28E-6B94-A64F-B0BE-394E09FA3D13}" type="datetimeFigureOut">
               <a:rPr lang="en-US" smtClean="0"/>
-              <a:t>2/19/17</a:t>
+              <a:t>2/20/17</a:t>
             </a:fld>
             <a:endParaRPr lang="en-US"/>
           </a:p>
@@ -3354,7 +3354,7 @@
         <p:spPr>
           <a:xfrm>
             <a:off x="6302375" y="2961240"/>
-            <a:ext cx="614271" cy="369332"/>
+            <a:ext cx="730250" cy="369332"/>
           </a:xfrm>
           <a:prstGeom prst="rect">
             <a:avLst/>
@@ -3362,7 +3362,7 @@
           <a:noFill/>
         </p:spPr>
         <p:txBody>
-          <a:bodyPr wrap="none" rtlCol="0">
+          <a:bodyPr wrap="square" rtlCol="0">
             <a:spAutoFit/>
           </a:bodyPr>
           <a:lstStyle/>
@@ -3388,7 +3388,7 @@
         <p:spPr>
           <a:xfrm>
             <a:off x="3730517" y="5167864"/>
-            <a:ext cx="982257" cy="646331"/>
+            <a:ext cx="1097874" cy="646331"/>
           </a:xfrm>
           <a:prstGeom prst="rect">
             <a:avLst/>
@@ -3396,7 +3396,7 @@
           <a:noFill/>
         </p:spPr>
         <p:txBody>
-          <a:bodyPr wrap="none" rtlCol="0">
+          <a:bodyPr wrap="square" rtlCol="0">
             <a:spAutoFit/>
           </a:bodyPr>
           <a:lstStyle/>
@@ -3423,7 +3423,7 @@
         <p:spPr>
           <a:xfrm>
             <a:off x="3711567" y="1463673"/>
-            <a:ext cx="1044068" cy="646331"/>
+            <a:ext cx="1130308" cy="646331"/>
           </a:xfrm>
           <a:prstGeom prst="rect">
             <a:avLst/>
@@ -3431,7 +3431,7 @@
           <a:noFill/>
         </p:spPr>
         <p:txBody>
-          <a:bodyPr wrap="none" rtlCol="0">
+          <a:bodyPr wrap="square" rtlCol="0">
             <a:spAutoFit/>
           </a:bodyPr>
           <a:lstStyle/>
@@ -3444,11 +3444,7 @@
           <a:p>
             <a:r>
               <a:rPr lang="en-US" dirty="0" err="1" smtClean="0"/>
-              <a:t>S</a:t>
-            </a:r>
-            <a:r>
-              <a:rPr lang="en-US" dirty="0" err="1" smtClean="0"/>
-              <a:t>topFlag</a:t>
+              <a:t>StopFlag</a:t>
             </a:r>
             <a:endParaRPr lang="en-US" dirty="0" smtClean="0"/>
           </a:p>
@@ -3462,8 +3458,8 @@
         </p:nvSpPr>
         <p:spPr>
           <a:xfrm>
-            <a:off x="1945230" y="3500813"/>
-            <a:ext cx="1433598" cy="923330"/>
+            <a:off x="1782763" y="3500813"/>
+            <a:ext cx="1596065" cy="923330"/>
           </a:xfrm>
           <a:prstGeom prst="rect">
             <a:avLst/>
@@ -3471,7 +3467,7 @@
           <a:noFill/>
         </p:spPr>
         <p:txBody>
-          <a:bodyPr wrap="none" rtlCol="0">
+          <a:bodyPr wrap="square" rtlCol="0">
             <a:spAutoFit/>
           </a:bodyPr>
           <a:lstStyle/>
@@ -3538,23 +3534,22 @@
         <p:spPr>
           <a:xfrm>
             <a:off x="4479697" y="3500813"/>
-            <a:ext cx="1419876" cy="369332"/>
+            <a:ext cx="1549628" cy="369332"/>
           </a:xfrm>
           <a:prstGeom prst="rect">
             <a:avLst/>
           </a:prstGeom>
         </p:spPr>
         <p:txBody>
-          <a:bodyPr wrap="none">
+          <a:bodyPr wrap="square">
             <a:spAutoFit/>
           </a:bodyPr>
           <a:lstStyle/>
           <a:p>
             <a:r>
-              <a:rPr lang="en-US" smtClean="0"/>
+              <a:rPr lang="en-US" dirty="0" smtClean="0"/>
               <a:t>Location[1:0]</a:t>
             </a:r>
-            <a:endParaRPr lang="en-US" dirty="0" smtClean="0"/>
           </a:p>
         </p:txBody>
       </p:sp>
@@ -3673,10 +3668,9 @@
           <a:lstStyle/>
           <a:p>
             <a:r>
-              <a:rPr lang="en-US" sz="1600" smtClean="0"/>
+              <a:rPr lang="en-US" sz="1600" dirty="0" smtClean="0"/>
               <a:t>Human Location</a:t>
             </a:r>
-            <a:endParaRPr lang="en-US" sz="1600" dirty="0" smtClean="0"/>
           </a:p>
         </p:txBody>
       </p:sp>
@@ -3725,8 +3719,8 @@
         </p:nvSpPr>
         <p:spPr>
           <a:xfrm>
-            <a:off x="2663508" y="814436"/>
-            <a:ext cx="1459054" cy="369332"/>
+            <a:off x="2663507" y="814436"/>
+            <a:ext cx="1594167" cy="369332"/>
           </a:xfrm>
           <a:prstGeom prst="rect">
             <a:avLst/>
@@ -3734,7 +3728,7 @@
           <a:noFill/>
         </p:spPr>
         <p:txBody>
-          <a:bodyPr wrap="none" rtlCol="0">
+          <a:bodyPr wrap="square" rtlCol="0">
             <a:spAutoFit/>
           </a:bodyPr>
           <a:lstStyle/>

--- a/flowdiagram.pptx
+++ b/flowdiagram.pptx
@@ -243,7 +243,7 @@
           <a:p>
             <a:fld id="{8AF1F28E-6B94-A64F-B0BE-394E09FA3D13}" type="datetimeFigureOut">
               <a:rPr lang="en-US" smtClean="0"/>
-              <a:t>2/20/17</a:t>
+              <a:t>2/24/17</a:t>
             </a:fld>
             <a:endParaRPr lang="en-US"/>
           </a:p>
@@ -413,7 +413,7 @@
           <a:p>
             <a:fld id="{8AF1F28E-6B94-A64F-B0BE-394E09FA3D13}" type="datetimeFigureOut">
               <a:rPr lang="en-US" smtClean="0"/>
-              <a:t>2/20/17</a:t>
+              <a:t>2/24/17</a:t>
             </a:fld>
             <a:endParaRPr lang="en-US"/>
           </a:p>
@@ -593,7 +593,7 @@
           <a:p>
             <a:fld id="{8AF1F28E-6B94-A64F-B0BE-394E09FA3D13}" type="datetimeFigureOut">
               <a:rPr lang="en-US" smtClean="0"/>
-              <a:t>2/20/17</a:t>
+              <a:t>2/24/17</a:t>
             </a:fld>
             <a:endParaRPr lang="en-US"/>
           </a:p>
@@ -763,7 +763,7 @@
           <a:p>
             <a:fld id="{8AF1F28E-6B94-A64F-B0BE-394E09FA3D13}" type="datetimeFigureOut">
               <a:rPr lang="en-US" smtClean="0"/>
-              <a:t>2/20/17</a:t>
+              <a:t>2/24/17</a:t>
             </a:fld>
             <a:endParaRPr lang="en-US"/>
           </a:p>
@@ -1009,7 +1009,7 @@
           <a:p>
             <a:fld id="{8AF1F28E-6B94-A64F-B0BE-394E09FA3D13}" type="datetimeFigureOut">
               <a:rPr lang="en-US" smtClean="0"/>
-              <a:t>2/20/17</a:t>
+              <a:t>2/24/17</a:t>
             </a:fld>
             <a:endParaRPr lang="en-US"/>
           </a:p>
@@ -1241,7 +1241,7 @@
           <a:p>
             <a:fld id="{8AF1F28E-6B94-A64F-B0BE-394E09FA3D13}" type="datetimeFigureOut">
               <a:rPr lang="en-US" smtClean="0"/>
-              <a:t>2/20/17</a:t>
+              <a:t>2/24/17</a:t>
             </a:fld>
             <a:endParaRPr lang="en-US"/>
           </a:p>
@@ -1608,7 +1608,7 @@
           <a:p>
             <a:fld id="{8AF1F28E-6B94-A64F-B0BE-394E09FA3D13}" type="datetimeFigureOut">
               <a:rPr lang="en-US" smtClean="0"/>
-              <a:t>2/20/17</a:t>
+              <a:t>2/24/17</a:t>
             </a:fld>
             <a:endParaRPr lang="en-US"/>
           </a:p>
@@ -1726,7 +1726,7 @@
           <a:p>
             <a:fld id="{8AF1F28E-6B94-A64F-B0BE-394E09FA3D13}" type="datetimeFigureOut">
               <a:rPr lang="en-US" smtClean="0"/>
-              <a:t>2/20/17</a:t>
+              <a:t>2/24/17</a:t>
             </a:fld>
             <a:endParaRPr lang="en-US"/>
           </a:p>
@@ -1821,7 +1821,7 @@
           <a:p>
             <a:fld id="{8AF1F28E-6B94-A64F-B0BE-394E09FA3D13}" type="datetimeFigureOut">
               <a:rPr lang="en-US" smtClean="0"/>
-              <a:t>2/20/17</a:t>
+              <a:t>2/24/17</a:t>
             </a:fld>
             <a:endParaRPr lang="en-US"/>
           </a:p>
@@ -2098,7 +2098,7 @@
           <a:p>
             <a:fld id="{8AF1F28E-6B94-A64F-B0BE-394E09FA3D13}" type="datetimeFigureOut">
               <a:rPr lang="en-US" smtClean="0"/>
-              <a:t>2/20/17</a:t>
+              <a:t>2/24/17</a:t>
             </a:fld>
             <a:endParaRPr lang="en-US"/>
           </a:p>
@@ -2351,7 +2351,7 @@
           <a:p>
             <a:fld id="{8AF1F28E-6B94-A64F-B0BE-394E09FA3D13}" type="datetimeFigureOut">
               <a:rPr lang="en-US" smtClean="0"/>
-              <a:t>2/20/17</a:t>
+              <a:t>2/24/17</a:t>
             </a:fld>
             <a:endParaRPr lang="en-US"/>
           </a:p>
@@ -2564,7 +2564,7 @@
           <a:p>
             <a:fld id="{8AF1F28E-6B94-A64F-B0BE-394E09FA3D13}" type="datetimeFigureOut">
               <a:rPr lang="en-US" smtClean="0"/>
-              <a:t>2/20/17</a:t>
+              <a:t>2/24/17</a:t>
             </a:fld>
             <a:endParaRPr lang="en-US"/>
           </a:p>
@@ -2977,7 +2977,7 @@
         </p:nvSpPr>
         <p:spPr>
           <a:xfrm>
-            <a:off x="1052513" y="4857748"/>
+            <a:off x="6345632" y="5240334"/>
             <a:ext cx="1460500" cy="679449"/>
           </a:xfrm>
           <a:prstGeom prst="rect">
@@ -3035,8 +3035,8 @@
         </p:nvSpPr>
         <p:spPr>
           <a:xfrm>
-            <a:off x="1052513" y="1153556"/>
-            <a:ext cx="1460500" cy="679449"/>
+            <a:off x="4914900" y="1346199"/>
+            <a:ext cx="2857095" cy="1197055"/>
           </a:xfrm>
           <a:prstGeom prst="rect">
             <a:avLst/>
@@ -3068,9 +3068,8 @@
           <a:bodyPr rtlCol="0" anchor="ctr"/>
           <a:lstStyle/>
           <a:p>
-            <a:pPr algn="ctr"/>
-            <a:r>
-              <a:rPr lang="en-US" sz="2800" dirty="0" smtClean="0">
+            <a:r>
+              <a:rPr lang="en-US" sz="2800" smtClean="0">
                 <a:solidFill>
                   <a:schemeClr val="tx1"/>
                 </a:solidFill>
@@ -3078,6 +3077,21 @@
               <a:t>Robot</a:t>
             </a:r>
           </a:p>
+          <a:p>
+            <a:endParaRPr lang="en-US" sz="2800" dirty="0">
+              <a:solidFill>
+                <a:schemeClr val="tx1"/>
+              </a:solidFill>
+            </a:endParaRPr>
+          </a:p>
+          <a:p>
+            <a:pPr algn="ctr"/>
+            <a:endParaRPr lang="en-US" sz="2800" dirty="0" smtClean="0">
+              <a:solidFill>
+                <a:schemeClr val="tx1"/>
+              </a:solidFill>
+            </a:endParaRPr>
+          </a:p>
         </p:txBody>
       </p:sp>
       <p:sp>
@@ -3088,7 +3102,7 @@
         </p:nvSpPr>
         <p:spPr>
           <a:xfrm>
-            <a:off x="5572125" y="1123949"/>
+            <a:off x="10500121" y="1823431"/>
             <a:ext cx="1460500" cy="679449"/>
           </a:xfrm>
           <a:prstGeom prst="rect">
@@ -3141,7 +3155,7 @@
         </p:nvSpPr>
         <p:spPr>
           <a:xfrm>
-            <a:off x="5572125" y="4857747"/>
+            <a:off x="3634909" y="3555788"/>
             <a:ext cx="1460500" cy="679449"/>
           </a:xfrm>
           <a:prstGeom prst="rect">
@@ -3191,53 +3205,16 @@
       <p:cxnSp>
         <p:nvCxnSpPr>
           <p:cNvPr id="17" name="Straight Arrow Connector 16"/>
-          <p:cNvCxnSpPr/>
-          <p:nvPr/>
-        </p:nvCxnSpPr>
-        <p:spPr>
-          <a:xfrm>
-            <a:off x="2513013" y="1833006"/>
-            <a:ext cx="3059112" cy="3024741"/>
-          </a:xfrm>
-          <a:prstGeom prst="straightConnector1">
-            <a:avLst/>
-          </a:prstGeom>
-          <a:ln w="31750">
-            <a:solidFill>
-              <a:schemeClr val="tx1"/>
-            </a:solidFill>
-            <a:headEnd type="none" w="med" len="med"/>
-            <a:tailEnd type="triangle" w="lg" len="lg"/>
-          </a:ln>
-        </p:spPr>
-        <p:style>
-          <a:lnRef idx="1">
-            <a:schemeClr val="accent1"/>
-          </a:lnRef>
-          <a:fillRef idx="0">
-            <a:schemeClr val="accent1"/>
-          </a:fillRef>
-          <a:effectRef idx="0">
-            <a:schemeClr val="accent1"/>
-          </a:effectRef>
-          <a:fontRef idx="minor">
-            <a:schemeClr val="tx1"/>
-          </a:fontRef>
-        </p:style>
-      </p:cxnSp>
-      <p:cxnSp>
-        <p:nvCxnSpPr>
-          <p:cNvPr id="18" name="Straight Arrow Connector 17"/>
           <p:cNvCxnSpPr>
-            <a:stCxn id="8" idx="0"/>
-            <a:endCxn id="7" idx="2"/>
+            <a:stCxn id="50" idx="1"/>
+            <a:endCxn id="8" idx="0"/>
           </p:cNvCxnSpPr>
           <p:nvPr/>
         </p:nvCxnSpPr>
         <p:spPr>
-          <a:xfrm flipV="1">
-            <a:off x="6302375" y="1803398"/>
-            <a:ext cx="0" cy="3054349"/>
+          <a:xfrm flipH="1">
+            <a:off x="4365159" y="2163155"/>
+            <a:ext cx="847519" cy="1392633"/>
           </a:xfrm>
           <a:prstGeom prst="straightConnector1">
             <a:avLst/>
@@ -3269,15 +3246,616 @@
         <p:nvCxnSpPr>
           <p:cNvPr id="21" name="Straight Arrow Connector 20"/>
           <p:cNvCxnSpPr>
-            <a:stCxn id="8" idx="1"/>
-            <a:endCxn id="5" idx="3"/>
+            <a:stCxn id="8" idx="2"/>
+            <a:endCxn id="5" idx="1"/>
           </p:cNvCxnSpPr>
           <p:nvPr/>
         </p:nvCxnSpPr>
         <p:spPr>
-          <a:xfrm flipH="1">
-            <a:off x="2513013" y="5197472"/>
-            <a:ext cx="3059112" cy="1"/>
+          <a:xfrm>
+            <a:off x="4365159" y="4235237"/>
+            <a:ext cx="1980473" cy="1344822"/>
+          </a:xfrm>
+          <a:prstGeom prst="straightConnector1">
+            <a:avLst/>
+          </a:prstGeom>
+          <a:ln w="31750">
+            <a:solidFill>
+              <a:schemeClr val="tx1"/>
+            </a:solidFill>
+            <a:headEnd type="none" w="med" len="med"/>
+            <a:tailEnd type="triangle" w="lg" len="lg"/>
+          </a:ln>
+        </p:spPr>
+        <p:style>
+          <a:lnRef idx="1">
+            <a:schemeClr val="accent1"/>
+          </a:lnRef>
+          <a:fillRef idx="0">
+            <a:schemeClr val="accent1"/>
+          </a:fillRef>
+          <a:effectRef idx="0">
+            <a:schemeClr val="accent1"/>
+          </a:effectRef>
+          <a:fontRef idx="minor">
+            <a:schemeClr val="tx1"/>
+          </a:fontRef>
+        </p:style>
+      </p:cxnSp>
+      <p:sp>
+        <p:nvSpPr>
+          <p:cNvPr id="31" name="TextBox 30"/>
+          <p:cNvSpPr txBox="1"/>
+          <p:nvPr/>
+        </p:nvSpPr>
+        <p:spPr>
+          <a:xfrm>
+            <a:off x="4438835" y="4625255"/>
+            <a:ext cx="1097874" cy="923330"/>
+          </a:xfrm>
+          <a:prstGeom prst="rect">
+            <a:avLst/>
+          </a:prstGeom>
+          <a:noFill/>
+        </p:spPr>
+        <p:txBody>
+          <a:bodyPr wrap="square" rtlCol="0">
+            <a:spAutoFit/>
+          </a:bodyPr>
+          <a:lstStyle/>
+          <a:p>
+            <a:r>
+              <a:rPr lang="en-US" dirty="0" smtClean="0"/>
+              <a:t>Map</a:t>
+            </a:r>
+          </a:p>
+          <a:p>
+            <a:r>
+              <a:rPr lang="en-US" dirty="0" smtClean="0"/>
+              <a:t>Location</a:t>
+            </a:r>
+          </a:p>
+          <a:p>
+            <a:r>
+              <a:rPr lang="en-US" dirty="0"/>
+              <a:t>Path</a:t>
+            </a:r>
+            <a:endParaRPr lang="en-US" dirty="0" smtClean="0"/>
+          </a:p>
+        </p:txBody>
+      </p:sp>
+      <p:sp>
+        <p:nvSpPr>
+          <p:cNvPr id="32" name="TextBox 31"/>
+          <p:cNvSpPr txBox="1"/>
+          <p:nvPr/>
+        </p:nvSpPr>
+        <p:spPr>
+          <a:xfrm>
+            <a:off x="8074612" y="1532160"/>
+            <a:ext cx="1860561" cy="646331"/>
+          </a:xfrm>
+          <a:prstGeom prst="rect">
+            <a:avLst/>
+          </a:prstGeom>
+          <a:noFill/>
+        </p:spPr>
+        <p:txBody>
+          <a:bodyPr wrap="square" rtlCol="0">
+            <a:spAutoFit/>
+          </a:bodyPr>
+          <a:lstStyle/>
+          <a:p>
+            <a:r>
+              <a:rPr lang="en-US" dirty="0" smtClean="0"/>
+              <a:t>direction[n]</a:t>
+            </a:r>
+          </a:p>
+          <a:p>
+            <a:r>
+              <a:rPr lang="en-US" dirty="0" smtClean="0"/>
+              <a:t>velocity[n]</a:t>
+            </a:r>
+          </a:p>
+        </p:txBody>
+      </p:sp>
+      <p:sp>
+        <p:nvSpPr>
+          <p:cNvPr id="33" name="TextBox 32"/>
+          <p:cNvSpPr txBox="1"/>
+          <p:nvPr/>
+        </p:nvSpPr>
+        <p:spPr>
+          <a:xfrm>
+            <a:off x="7075882" y="2756784"/>
+            <a:ext cx="2169719" cy="646331"/>
+          </a:xfrm>
+          <a:prstGeom prst="rect">
+            <a:avLst/>
+          </a:prstGeom>
+          <a:noFill/>
+        </p:spPr>
+        <p:txBody>
+          <a:bodyPr wrap="square" rtlCol="0">
+            <a:spAutoFit/>
+          </a:bodyPr>
+          <a:lstStyle/>
+          <a:p>
+            <a:r>
+              <a:rPr lang="en-US" dirty="0" smtClean="0"/>
+              <a:t>obstacle[n]</a:t>
+            </a:r>
+          </a:p>
+          <a:p>
+            <a:r>
+              <a:rPr lang="en-US" dirty="0" err="1" smtClean="0"/>
+              <a:t>robot_is_crossing</a:t>
+            </a:r>
+            <a:r>
+              <a:rPr lang="en-US" dirty="0" smtClean="0"/>
+              <a:t>[n]</a:t>
+            </a:r>
+          </a:p>
+        </p:txBody>
+      </p:sp>
+      <p:cxnSp>
+        <p:nvCxnSpPr>
+          <p:cNvPr id="34" name="Straight Arrow Connector 33"/>
+          <p:cNvCxnSpPr>
+            <a:stCxn id="5" idx="0"/>
+            <a:endCxn id="26" idx="2"/>
+          </p:cNvCxnSpPr>
+          <p:nvPr/>
+        </p:nvCxnSpPr>
+        <p:spPr>
+          <a:xfrm flipV="1">
+            <a:off x="7075882" y="2348032"/>
+            <a:ext cx="1" cy="2892302"/>
+          </a:xfrm>
+          <a:prstGeom prst="straightConnector1">
+            <a:avLst/>
+          </a:prstGeom>
+          <a:ln w="31750">
+            <a:solidFill>
+              <a:schemeClr val="tx1"/>
+            </a:solidFill>
+            <a:headEnd type="none" w="med" len="med"/>
+            <a:tailEnd type="triangle" w="lg" len="lg"/>
+          </a:ln>
+        </p:spPr>
+        <p:style>
+          <a:lnRef idx="1">
+            <a:schemeClr val="accent1"/>
+          </a:lnRef>
+          <a:fillRef idx="0">
+            <a:schemeClr val="accent1"/>
+          </a:fillRef>
+          <a:effectRef idx="0">
+            <a:schemeClr val="accent1"/>
+          </a:effectRef>
+          <a:fontRef idx="minor">
+            <a:schemeClr val="tx1"/>
+          </a:fontRef>
+        </p:style>
+      </p:cxnSp>
+      <p:sp>
+        <p:nvSpPr>
+          <p:cNvPr id="41" name="Rectangle 40"/>
+          <p:cNvSpPr/>
+          <p:nvPr/>
+        </p:nvSpPr>
+        <p:spPr>
+          <a:xfrm>
+            <a:off x="374446" y="3555787"/>
+            <a:ext cx="1460500" cy="679449"/>
+          </a:xfrm>
+          <a:prstGeom prst="rect">
+            <a:avLst/>
+          </a:prstGeom>
+          <a:noFill/>
+          <a:ln>
+            <a:solidFill>
+              <a:srgbClr val="FF0000"/>
+            </a:solidFill>
+          </a:ln>
+        </p:spPr>
+        <p:style>
+          <a:lnRef idx="2">
+            <a:schemeClr val="accent1">
+              <a:shade val="50000"/>
+            </a:schemeClr>
+          </a:lnRef>
+          <a:fillRef idx="1">
+            <a:schemeClr val="accent1"/>
+          </a:fillRef>
+          <a:effectRef idx="0">
+            <a:schemeClr val="accent1"/>
+          </a:effectRef>
+          <a:fontRef idx="minor">
+            <a:schemeClr val="lt1"/>
+          </a:fontRef>
+        </p:style>
+        <p:txBody>
+          <a:bodyPr rtlCol="0" anchor="ctr"/>
+          <a:lstStyle/>
+          <a:p>
+            <a:pPr algn="ctr"/>
+            <a:r>
+              <a:rPr lang="en-US" sz="2800" dirty="0" smtClean="0">
+                <a:solidFill>
+                  <a:schemeClr val="tx1"/>
+                </a:solidFill>
+              </a:rPr>
+              <a:t>Human</a:t>
+            </a:r>
+          </a:p>
+        </p:txBody>
+      </p:sp>
+      <p:cxnSp>
+        <p:nvCxnSpPr>
+          <p:cNvPr id="42" name="Straight Arrow Connector 41"/>
+          <p:cNvCxnSpPr>
+            <a:stCxn id="41" idx="3"/>
+            <a:endCxn id="8" idx="1"/>
+          </p:cNvCxnSpPr>
+          <p:nvPr/>
+        </p:nvCxnSpPr>
+        <p:spPr>
+          <a:xfrm>
+            <a:off x="1834946" y="3895512"/>
+            <a:ext cx="1799963" cy="1"/>
+          </a:xfrm>
+          <a:prstGeom prst="straightConnector1">
+            <a:avLst/>
+          </a:prstGeom>
+          <a:ln w="31750">
+            <a:solidFill>
+              <a:schemeClr val="tx1"/>
+            </a:solidFill>
+            <a:headEnd type="none" w="med" len="med"/>
+            <a:tailEnd type="triangle" w="lg" len="lg"/>
+          </a:ln>
+        </p:spPr>
+        <p:style>
+          <a:lnRef idx="1">
+            <a:schemeClr val="accent1"/>
+          </a:lnRef>
+          <a:fillRef idx="0">
+            <a:schemeClr val="accent1"/>
+          </a:fillRef>
+          <a:effectRef idx="0">
+            <a:schemeClr val="accent1"/>
+          </a:effectRef>
+          <a:fontRef idx="minor">
+            <a:schemeClr val="tx1"/>
+          </a:fontRef>
+        </p:style>
+      </p:cxnSp>
+      <p:sp>
+        <p:nvSpPr>
+          <p:cNvPr id="45" name="Rectangle 44"/>
+          <p:cNvSpPr/>
+          <p:nvPr/>
+        </p:nvSpPr>
+        <p:spPr>
+          <a:xfrm>
+            <a:off x="1951492" y="3516718"/>
+            <a:ext cx="1598612" cy="338554"/>
+          </a:xfrm>
+          <a:prstGeom prst="rect">
+            <a:avLst/>
+          </a:prstGeom>
+        </p:spPr>
+        <p:txBody>
+          <a:bodyPr wrap="square">
+            <a:spAutoFit/>
+          </a:bodyPr>
+          <a:lstStyle/>
+          <a:p>
+            <a:r>
+              <a:rPr lang="en-US" sz="1600" dirty="0" smtClean="0"/>
+              <a:t>Human Location</a:t>
+            </a:r>
+          </a:p>
+        </p:txBody>
+      </p:sp>
+      <p:sp>
+        <p:nvSpPr>
+          <p:cNvPr id="26" name="Rectangle 25"/>
+          <p:cNvSpPr/>
+          <p:nvPr/>
+        </p:nvSpPr>
+        <p:spPr>
+          <a:xfrm>
+            <a:off x="6642100" y="1964723"/>
+            <a:ext cx="867565" cy="383309"/>
+          </a:xfrm>
+          <a:prstGeom prst="rect">
+            <a:avLst/>
+          </a:prstGeom>
+          <a:noFill/>
+          <a:ln>
+            <a:solidFill>
+              <a:srgbClr val="FF0000"/>
+            </a:solidFill>
+          </a:ln>
+        </p:spPr>
+        <p:style>
+          <a:lnRef idx="2">
+            <a:schemeClr val="accent1">
+              <a:shade val="50000"/>
+            </a:schemeClr>
+          </a:lnRef>
+          <a:fillRef idx="1">
+            <a:schemeClr val="accent1"/>
+          </a:fillRef>
+          <a:effectRef idx="0">
+            <a:schemeClr val="accent1"/>
+          </a:effectRef>
+          <a:fontRef idx="minor">
+            <a:schemeClr val="lt1"/>
+          </a:fontRef>
+        </p:style>
+        <p:txBody>
+          <a:bodyPr rtlCol="0" anchor="ctr"/>
+          <a:lstStyle/>
+          <a:p>
+            <a:pPr algn="ctr"/>
+            <a:r>
+              <a:rPr lang="en-US" dirty="0" err="1" smtClean="0">
+                <a:solidFill>
+                  <a:schemeClr val="tx1"/>
+                </a:solidFill>
+              </a:rPr>
+              <a:t>comm</a:t>
+            </a:r>
+            <a:endParaRPr lang="en-US" dirty="0" smtClean="0">
+              <a:solidFill>
+                <a:schemeClr val="tx1"/>
+              </a:solidFill>
+            </a:endParaRPr>
+          </a:p>
+        </p:txBody>
+      </p:sp>
+      <p:sp>
+        <p:nvSpPr>
+          <p:cNvPr id="48" name="TextBox 47"/>
+          <p:cNvSpPr txBox="1"/>
+          <p:nvPr/>
+        </p:nvSpPr>
+        <p:spPr>
+          <a:xfrm>
+            <a:off x="8029710" y="2264127"/>
+            <a:ext cx="2246834" cy="369332"/>
+          </a:xfrm>
+          <a:prstGeom prst="rect">
+            <a:avLst/>
+          </a:prstGeom>
+          <a:noFill/>
+        </p:spPr>
+        <p:txBody>
+          <a:bodyPr wrap="square" rtlCol="0">
+            <a:spAutoFit/>
+          </a:bodyPr>
+          <a:lstStyle/>
+          <a:p>
+            <a:r>
+              <a:rPr lang="en-US" smtClean="0"/>
+              <a:t>robot_is_crossing</a:t>
+            </a:r>
+            <a:r>
+              <a:rPr lang="en-US" dirty="0" smtClean="0"/>
+              <a:t>[n]</a:t>
+            </a:r>
+          </a:p>
+        </p:txBody>
+      </p:sp>
+      <p:sp>
+        <p:nvSpPr>
+          <p:cNvPr id="50" name="Rectangle 49"/>
+          <p:cNvSpPr/>
+          <p:nvPr/>
+        </p:nvSpPr>
+        <p:spPr>
+          <a:xfrm>
+            <a:off x="5212678" y="1971500"/>
+            <a:ext cx="867565" cy="383309"/>
+          </a:xfrm>
+          <a:prstGeom prst="rect">
+            <a:avLst/>
+          </a:prstGeom>
+          <a:noFill/>
+          <a:ln>
+            <a:solidFill>
+              <a:srgbClr val="FF0000"/>
+            </a:solidFill>
+          </a:ln>
+        </p:spPr>
+        <p:style>
+          <a:lnRef idx="2">
+            <a:schemeClr val="accent1">
+              <a:shade val="50000"/>
+            </a:schemeClr>
+          </a:lnRef>
+          <a:fillRef idx="1">
+            <a:schemeClr val="accent1"/>
+          </a:fillRef>
+          <a:effectRef idx="0">
+            <a:schemeClr val="accent1"/>
+          </a:effectRef>
+          <a:fontRef idx="minor">
+            <a:schemeClr val="lt1"/>
+          </a:fontRef>
+        </p:style>
+        <p:txBody>
+          <a:bodyPr rtlCol="0" anchor="ctr"/>
+          <a:lstStyle/>
+          <a:p>
+            <a:pPr algn="ctr"/>
+            <a:r>
+              <a:rPr lang="en-US" dirty="0" smtClean="0">
+                <a:solidFill>
+                  <a:schemeClr val="tx1"/>
+                </a:solidFill>
+              </a:rPr>
+              <a:t>motor</a:t>
+            </a:r>
+          </a:p>
+        </p:txBody>
+      </p:sp>
+      <p:cxnSp>
+        <p:nvCxnSpPr>
+          <p:cNvPr id="53" name="Straight Arrow Connector 52"/>
+          <p:cNvCxnSpPr>
+            <a:stCxn id="26" idx="1"/>
+          </p:cNvCxnSpPr>
+          <p:nvPr/>
+        </p:nvCxnSpPr>
+        <p:spPr>
+          <a:xfrm flipH="1" flipV="1">
+            <a:off x="6080243" y="2156377"/>
+            <a:ext cx="561857" cy="1"/>
+          </a:xfrm>
+          <a:prstGeom prst="straightConnector1">
+            <a:avLst/>
+          </a:prstGeom>
+          <a:ln w="31750">
+            <a:solidFill>
+              <a:schemeClr val="tx1"/>
+            </a:solidFill>
+            <a:headEnd type="none" w="med" len="med"/>
+            <a:tailEnd type="triangle" w="lg" len="lg"/>
+          </a:ln>
+        </p:spPr>
+        <p:style>
+          <a:lnRef idx="1">
+            <a:schemeClr val="accent1"/>
+          </a:lnRef>
+          <a:fillRef idx="0">
+            <a:schemeClr val="accent1"/>
+          </a:fillRef>
+          <a:effectRef idx="0">
+            <a:schemeClr val="accent1"/>
+          </a:effectRef>
+          <a:fontRef idx="minor">
+            <a:schemeClr val="tx1"/>
+          </a:fontRef>
+        </p:style>
+      </p:cxnSp>
+      <p:sp>
+        <p:nvSpPr>
+          <p:cNvPr id="60" name="TextBox 59"/>
+          <p:cNvSpPr txBox="1"/>
+          <p:nvPr/>
+        </p:nvSpPr>
+        <p:spPr>
+          <a:xfrm>
+            <a:off x="3782758" y="2656780"/>
+            <a:ext cx="1097874" cy="369332"/>
+          </a:xfrm>
+          <a:prstGeom prst="rect">
+            <a:avLst/>
+          </a:prstGeom>
+          <a:noFill/>
+        </p:spPr>
+        <p:txBody>
+          <a:bodyPr wrap="square" rtlCol="0">
+            <a:spAutoFit/>
+          </a:bodyPr>
+          <a:lstStyle/>
+          <a:p>
+            <a:r>
+              <a:rPr lang="en-US" smtClean="0"/>
+              <a:t>Location</a:t>
+            </a:r>
+            <a:endParaRPr lang="en-US" dirty="0" smtClean="0"/>
+          </a:p>
+        </p:txBody>
+      </p:sp>
+      <p:cxnSp>
+        <p:nvCxnSpPr>
+          <p:cNvPr id="62" name="Elbow Connector 61"/>
+          <p:cNvCxnSpPr>
+            <a:stCxn id="8" idx="3"/>
+            <a:endCxn id="7" idx="2"/>
+          </p:cNvCxnSpPr>
+          <p:nvPr/>
+        </p:nvCxnSpPr>
+        <p:spPr>
+          <a:xfrm flipV="1">
+            <a:off x="5095409" y="2502880"/>
+            <a:ext cx="6134962" cy="1392633"/>
+          </a:xfrm>
+          <a:prstGeom prst="bentConnector2">
+            <a:avLst/>
+          </a:prstGeom>
+          <a:ln w="31750">
+            <a:solidFill>
+              <a:schemeClr val="tx1"/>
+            </a:solidFill>
+            <a:tailEnd type="triangle" w="lg" len="lg"/>
+          </a:ln>
+        </p:spPr>
+        <p:style>
+          <a:lnRef idx="1">
+            <a:schemeClr val="accent1"/>
+          </a:lnRef>
+          <a:fillRef idx="0">
+            <a:schemeClr val="accent1"/>
+          </a:fillRef>
+          <a:effectRef idx="0">
+            <a:schemeClr val="accent1"/>
+          </a:effectRef>
+          <a:fontRef idx="minor">
+            <a:schemeClr val="tx1"/>
+          </a:fontRef>
+        </p:style>
+      </p:cxnSp>
+      <p:sp>
+        <p:nvSpPr>
+          <p:cNvPr id="65" name="TextBox 64"/>
+          <p:cNvSpPr txBox="1"/>
+          <p:nvPr/>
+        </p:nvSpPr>
+        <p:spPr>
+          <a:xfrm>
+            <a:off x="9060652" y="3924377"/>
+            <a:ext cx="2169719" cy="646331"/>
+          </a:xfrm>
+          <a:prstGeom prst="rect">
+            <a:avLst/>
+          </a:prstGeom>
+          <a:noFill/>
+        </p:spPr>
+        <p:txBody>
+          <a:bodyPr wrap="square" rtlCol="0">
+            <a:spAutoFit/>
+          </a:bodyPr>
+          <a:lstStyle/>
+          <a:p>
+            <a:r>
+              <a:rPr lang="en-US" dirty="0" smtClean="0"/>
+              <a:t>Map</a:t>
+            </a:r>
+          </a:p>
+          <a:p>
+            <a:r>
+              <a:rPr lang="en-US" dirty="0" smtClean="0"/>
+              <a:t>Path</a:t>
+            </a:r>
+          </a:p>
+        </p:txBody>
+      </p:sp>
+      <p:cxnSp>
+        <p:nvCxnSpPr>
+          <p:cNvPr id="23" name="Straight Arrow Connector 22"/>
+          <p:cNvCxnSpPr/>
+          <p:nvPr/>
+        </p:nvCxnSpPr>
+        <p:spPr>
+          <a:xfrm>
+            <a:off x="7509665" y="2315821"/>
+            <a:ext cx="2990456" cy="2"/>
           </a:xfrm>
           <a:prstGeom prst="straightConnector1">
             <a:avLst/>
@@ -3307,17 +3885,17 @@
       </p:cxnSp>
       <p:cxnSp>
         <p:nvCxnSpPr>
-          <p:cNvPr id="24" name="Straight Arrow Connector 23"/>
+          <p:cNvPr id="27" name="Straight Arrow Connector 26"/>
           <p:cNvCxnSpPr>
             <a:stCxn id="7" idx="1"/>
-            <a:endCxn id="6" idx="3"/>
+            <a:endCxn id="26" idx="3"/>
           </p:cNvCxnSpPr>
           <p:nvPr/>
         </p:nvCxnSpPr>
         <p:spPr>
-          <a:xfrm flipH="1">
-            <a:off x="2513013" y="1463674"/>
-            <a:ext cx="3059112" cy="29607"/>
+          <a:xfrm flipH="1" flipV="1">
+            <a:off x="7509665" y="2156378"/>
+            <a:ext cx="2990456" cy="6778"/>
           </a:xfrm>
           <a:prstGeom prst="straightConnector1">
             <a:avLst/>
@@ -3345,469 +3923,6 @@
           </a:fontRef>
         </p:style>
       </p:cxnSp>
-      <p:sp>
-        <p:nvSpPr>
-          <p:cNvPr id="30" name="TextBox 29"/>
-          <p:cNvSpPr txBox="1"/>
-          <p:nvPr/>
-        </p:nvSpPr>
-        <p:spPr>
-          <a:xfrm>
-            <a:off x="6302375" y="2961240"/>
-            <a:ext cx="730250" cy="369332"/>
-          </a:xfrm>
-          <a:prstGeom prst="rect">
-            <a:avLst/>
-          </a:prstGeom>
-          <a:noFill/>
-        </p:spPr>
-        <p:txBody>
-          <a:bodyPr wrap="square" rtlCol="0">
-            <a:spAutoFit/>
-          </a:bodyPr>
-          <a:lstStyle/>
-          <a:p>
-            <a:r>
-              <a:rPr lang="en-US" dirty="0"/>
-              <a:t>M</a:t>
-            </a:r>
-            <a:r>
-              <a:rPr lang="en-US" dirty="0" smtClean="0"/>
-              <a:t>ap</a:t>
-            </a:r>
-            <a:endParaRPr lang="en-US" dirty="0"/>
-          </a:p>
-        </p:txBody>
-      </p:sp>
-      <p:sp>
-        <p:nvSpPr>
-          <p:cNvPr id="31" name="TextBox 30"/>
-          <p:cNvSpPr txBox="1"/>
-          <p:nvPr/>
-        </p:nvSpPr>
-        <p:spPr>
-          <a:xfrm>
-            <a:off x="3730517" y="5167864"/>
-            <a:ext cx="1097874" cy="646331"/>
-          </a:xfrm>
-          <a:prstGeom prst="rect">
-            <a:avLst/>
-          </a:prstGeom>
-          <a:noFill/>
-        </p:spPr>
-        <p:txBody>
-          <a:bodyPr wrap="square" rtlCol="0">
-            <a:spAutoFit/>
-          </a:bodyPr>
-          <a:lstStyle/>
-          <a:p>
-            <a:r>
-              <a:rPr lang="en-US" dirty="0" smtClean="0"/>
-              <a:t>Map</a:t>
-            </a:r>
-          </a:p>
-          <a:p>
-            <a:r>
-              <a:rPr lang="en-US" dirty="0" smtClean="0"/>
-              <a:t>Location</a:t>
-            </a:r>
-          </a:p>
-        </p:txBody>
-      </p:sp>
-      <p:sp>
-        <p:nvSpPr>
-          <p:cNvPr id="32" name="TextBox 31"/>
-          <p:cNvSpPr txBox="1"/>
-          <p:nvPr/>
-        </p:nvSpPr>
-        <p:spPr>
-          <a:xfrm>
-            <a:off x="3711567" y="1463673"/>
-            <a:ext cx="1130308" cy="646331"/>
-          </a:xfrm>
-          <a:prstGeom prst="rect">
-            <a:avLst/>
-          </a:prstGeom>
-          <a:noFill/>
-        </p:spPr>
-        <p:txBody>
-          <a:bodyPr wrap="square" rtlCol="0">
-            <a:spAutoFit/>
-          </a:bodyPr>
-          <a:lstStyle/>
-          <a:p>
-            <a:r>
-              <a:rPr lang="en-US" dirty="0" smtClean="0"/>
-              <a:t>Direction</a:t>
-            </a:r>
-          </a:p>
-          <a:p>
-            <a:r>
-              <a:rPr lang="en-US" dirty="0" err="1" smtClean="0"/>
-              <a:t>StopFlag</a:t>
-            </a:r>
-            <a:endParaRPr lang="en-US" dirty="0" smtClean="0"/>
-          </a:p>
-        </p:txBody>
-      </p:sp>
-      <p:sp>
-        <p:nvSpPr>
-          <p:cNvPr id="33" name="TextBox 32"/>
-          <p:cNvSpPr txBox="1"/>
-          <p:nvPr/>
-        </p:nvSpPr>
-        <p:spPr>
-          <a:xfrm>
-            <a:off x="1782763" y="3500813"/>
-            <a:ext cx="1596065" cy="923330"/>
-          </a:xfrm>
-          <a:prstGeom prst="rect">
-            <a:avLst/>
-          </a:prstGeom>
-          <a:noFill/>
-        </p:spPr>
-        <p:txBody>
-          <a:bodyPr wrap="square" rtlCol="0">
-            <a:spAutoFit/>
-          </a:bodyPr>
-          <a:lstStyle/>
-          <a:p>
-            <a:r>
-              <a:rPr lang="en-US" dirty="0" smtClean="0"/>
-              <a:t>Location[1:0]</a:t>
-            </a:r>
-          </a:p>
-          <a:p>
-            <a:r>
-              <a:rPr lang="en-US" dirty="0" smtClean="0"/>
-              <a:t>Obstacle[3:0]</a:t>
-            </a:r>
-          </a:p>
-          <a:p>
-            <a:endParaRPr lang="en-US" dirty="0"/>
-          </a:p>
-        </p:txBody>
-      </p:sp>
-      <p:cxnSp>
-        <p:nvCxnSpPr>
-          <p:cNvPr id="34" name="Straight Arrow Connector 33"/>
-          <p:cNvCxnSpPr/>
-          <p:nvPr/>
-        </p:nvCxnSpPr>
-        <p:spPr>
-          <a:xfrm flipV="1">
-            <a:off x="2513013" y="1803398"/>
-            <a:ext cx="3059112" cy="3054349"/>
-          </a:xfrm>
-          <a:prstGeom prst="straightConnector1">
-            <a:avLst/>
-          </a:prstGeom>
-          <a:ln w="31750">
-            <a:solidFill>
-              <a:schemeClr val="tx1"/>
-            </a:solidFill>
-            <a:headEnd type="none" w="med" len="med"/>
-            <a:tailEnd type="triangle" w="lg" len="lg"/>
-          </a:ln>
-        </p:spPr>
-        <p:style>
-          <a:lnRef idx="1">
-            <a:schemeClr val="accent1"/>
-          </a:lnRef>
-          <a:fillRef idx="0">
-            <a:schemeClr val="accent1"/>
-          </a:fillRef>
-          <a:effectRef idx="0">
-            <a:schemeClr val="accent1"/>
-          </a:effectRef>
-          <a:fontRef idx="minor">
-            <a:schemeClr val="tx1"/>
-          </a:fontRef>
-        </p:style>
-      </p:cxnSp>
-      <p:sp>
-        <p:nvSpPr>
-          <p:cNvPr id="39" name="Rectangle 38"/>
-          <p:cNvSpPr/>
-          <p:nvPr/>
-        </p:nvSpPr>
-        <p:spPr>
-          <a:xfrm>
-            <a:off x="4479697" y="3500813"/>
-            <a:ext cx="1549628" cy="369332"/>
-          </a:xfrm>
-          <a:prstGeom prst="rect">
-            <a:avLst/>
-          </a:prstGeom>
-        </p:spPr>
-        <p:txBody>
-          <a:bodyPr wrap="square">
-            <a:spAutoFit/>
-          </a:bodyPr>
-          <a:lstStyle/>
-          <a:p>
-            <a:r>
-              <a:rPr lang="en-US" dirty="0" smtClean="0"/>
-              <a:t>Location[1:0]</a:t>
-            </a:r>
-          </a:p>
-        </p:txBody>
-      </p:sp>
-      <p:sp>
-        <p:nvSpPr>
-          <p:cNvPr id="41" name="Rectangle 40"/>
-          <p:cNvSpPr/>
-          <p:nvPr/>
-        </p:nvSpPr>
-        <p:spPr>
-          <a:xfrm>
-            <a:off x="8631237" y="4857747"/>
-            <a:ext cx="1460500" cy="679449"/>
-          </a:xfrm>
-          <a:prstGeom prst="rect">
-            <a:avLst/>
-          </a:prstGeom>
-          <a:noFill/>
-          <a:ln>
-            <a:solidFill>
-              <a:srgbClr val="FF0000"/>
-            </a:solidFill>
-          </a:ln>
-        </p:spPr>
-        <p:style>
-          <a:lnRef idx="2">
-            <a:schemeClr val="accent1">
-              <a:shade val="50000"/>
-            </a:schemeClr>
-          </a:lnRef>
-          <a:fillRef idx="1">
-            <a:schemeClr val="accent1"/>
-          </a:fillRef>
-          <a:effectRef idx="0">
-            <a:schemeClr val="accent1"/>
-          </a:effectRef>
-          <a:fontRef idx="minor">
-            <a:schemeClr val="lt1"/>
-          </a:fontRef>
-        </p:style>
-        <p:txBody>
-          <a:bodyPr rtlCol="0" anchor="ctr"/>
-          <a:lstStyle/>
-          <a:p>
-            <a:pPr algn="ctr"/>
-            <a:r>
-              <a:rPr lang="en-US" sz="2800" dirty="0" smtClean="0">
-                <a:solidFill>
-                  <a:schemeClr val="tx1"/>
-                </a:solidFill>
-              </a:rPr>
-              <a:t>Human</a:t>
-            </a:r>
-          </a:p>
-        </p:txBody>
-      </p:sp>
-      <p:cxnSp>
-        <p:nvCxnSpPr>
-          <p:cNvPr id="42" name="Straight Arrow Connector 41"/>
-          <p:cNvCxnSpPr>
-            <a:stCxn id="41" idx="1"/>
-            <a:endCxn id="8" idx="3"/>
-          </p:cNvCxnSpPr>
-          <p:nvPr/>
-        </p:nvCxnSpPr>
-        <p:spPr>
-          <a:xfrm flipH="1">
-            <a:off x="7032625" y="5197472"/>
-            <a:ext cx="1598612" cy="0"/>
-          </a:xfrm>
-          <a:prstGeom prst="straightConnector1">
-            <a:avLst/>
-          </a:prstGeom>
-          <a:ln w="31750">
-            <a:solidFill>
-              <a:schemeClr val="tx1"/>
-            </a:solidFill>
-            <a:headEnd type="none" w="med" len="med"/>
-            <a:tailEnd type="triangle" w="lg" len="lg"/>
-          </a:ln>
-        </p:spPr>
-        <p:style>
-          <a:lnRef idx="1">
-            <a:schemeClr val="accent1"/>
-          </a:lnRef>
-          <a:fillRef idx="0">
-            <a:schemeClr val="accent1"/>
-          </a:fillRef>
-          <a:effectRef idx="0">
-            <a:schemeClr val="accent1"/>
-          </a:effectRef>
-          <a:fontRef idx="minor">
-            <a:schemeClr val="tx1"/>
-          </a:fontRef>
-        </p:style>
-      </p:cxnSp>
-      <p:sp>
-        <p:nvSpPr>
-          <p:cNvPr id="45" name="Rectangle 44"/>
-          <p:cNvSpPr/>
-          <p:nvPr/>
-        </p:nvSpPr>
-        <p:spPr>
-          <a:xfrm>
-            <a:off x="7092670" y="5321752"/>
-            <a:ext cx="1598612" cy="338554"/>
-          </a:xfrm>
-          <a:prstGeom prst="rect">
-            <a:avLst/>
-          </a:prstGeom>
-        </p:spPr>
-        <p:txBody>
-          <a:bodyPr wrap="square">
-            <a:spAutoFit/>
-          </a:bodyPr>
-          <a:lstStyle/>
-          <a:p>
-            <a:r>
-              <a:rPr lang="en-US" sz="1600" dirty="0" smtClean="0"/>
-              <a:t>Human Location</a:t>
-            </a:r>
-          </a:p>
-        </p:txBody>
-      </p:sp>
-      <p:cxnSp>
-        <p:nvCxnSpPr>
-          <p:cNvPr id="19" name="Straight Arrow Connector 18"/>
-          <p:cNvCxnSpPr/>
-          <p:nvPr/>
-        </p:nvCxnSpPr>
-        <p:spPr>
-          <a:xfrm flipH="1">
-            <a:off x="2513013" y="1178296"/>
-            <a:ext cx="865815" cy="8380"/>
-          </a:xfrm>
-          <a:prstGeom prst="straightConnector1">
-            <a:avLst/>
-          </a:prstGeom>
-          <a:ln w="31750">
-            <a:solidFill>
-              <a:schemeClr val="tx1"/>
-            </a:solidFill>
-            <a:headEnd type="none" w="med" len="med"/>
-            <a:tailEnd type="triangle" w="lg" len="lg"/>
-          </a:ln>
-        </p:spPr>
-        <p:style>
-          <a:lnRef idx="1">
-            <a:schemeClr val="accent1"/>
-          </a:lnRef>
-          <a:fillRef idx="0">
-            <a:schemeClr val="accent1"/>
-          </a:fillRef>
-          <a:effectRef idx="0">
-            <a:schemeClr val="accent1"/>
-          </a:effectRef>
-          <a:fontRef idx="minor">
-            <a:schemeClr val="tx1"/>
-          </a:fontRef>
-        </p:style>
-      </p:cxnSp>
-      <p:sp>
-        <p:nvSpPr>
-          <p:cNvPr id="22" name="TextBox 21"/>
-          <p:cNvSpPr txBox="1"/>
-          <p:nvPr/>
-        </p:nvSpPr>
-        <p:spPr>
-          <a:xfrm>
-            <a:off x="2663507" y="814436"/>
-            <a:ext cx="1594167" cy="369332"/>
-          </a:xfrm>
-          <a:prstGeom prst="rect">
-            <a:avLst/>
-          </a:prstGeom>
-          <a:noFill/>
-        </p:spPr>
-        <p:txBody>
-          <a:bodyPr wrap="square" rtlCol="0">
-            <a:spAutoFit/>
-          </a:bodyPr>
-          <a:lstStyle/>
-          <a:p>
-            <a:r>
-              <a:rPr lang="en-US" dirty="0" err="1" smtClean="0"/>
-              <a:t>serialNumber</a:t>
-            </a:r>
-            <a:endParaRPr lang="en-US" dirty="0"/>
-          </a:p>
-        </p:txBody>
-      </p:sp>
-      <p:cxnSp>
-        <p:nvCxnSpPr>
-          <p:cNvPr id="23" name="Straight Arrow Connector 22"/>
-          <p:cNvCxnSpPr/>
-          <p:nvPr/>
-        </p:nvCxnSpPr>
-        <p:spPr>
-          <a:xfrm flipH="1">
-            <a:off x="10110787" y="5192000"/>
-            <a:ext cx="865815" cy="8380"/>
-          </a:xfrm>
-          <a:prstGeom prst="straightConnector1">
-            <a:avLst/>
-          </a:prstGeom>
-          <a:ln w="31750">
-            <a:solidFill>
-              <a:schemeClr val="tx1"/>
-            </a:solidFill>
-            <a:headEnd type="none" w="med" len="med"/>
-            <a:tailEnd type="triangle" w="lg" len="lg"/>
-          </a:ln>
-        </p:spPr>
-        <p:style>
-          <a:lnRef idx="1">
-            <a:schemeClr val="accent1"/>
-          </a:lnRef>
-          <a:fillRef idx="0">
-            <a:schemeClr val="accent1"/>
-          </a:fillRef>
-          <a:effectRef idx="0">
-            <a:schemeClr val="accent1"/>
-          </a:effectRef>
-          <a:fontRef idx="minor">
-            <a:schemeClr val="tx1"/>
-          </a:fontRef>
-        </p:style>
-      </p:cxnSp>
-      <p:sp>
-        <p:nvSpPr>
-          <p:cNvPr id="25" name="TextBox 24"/>
-          <p:cNvSpPr txBox="1"/>
-          <p:nvPr/>
-        </p:nvSpPr>
-        <p:spPr>
-          <a:xfrm>
-            <a:off x="10261282" y="4828140"/>
-            <a:ext cx="1459054" cy="369332"/>
-          </a:xfrm>
-          <a:prstGeom prst="rect">
-            <a:avLst/>
-          </a:prstGeom>
-          <a:noFill/>
-        </p:spPr>
-        <p:txBody>
-          <a:bodyPr wrap="none" rtlCol="0">
-            <a:spAutoFit/>
-          </a:bodyPr>
-          <a:lstStyle/>
-          <a:p>
-            <a:r>
-              <a:rPr lang="en-US" dirty="0" err="1" smtClean="0"/>
-              <a:t>serialNumber</a:t>
-            </a:r>
-            <a:endParaRPr lang="en-US" dirty="0"/>
-          </a:p>
-        </p:txBody>
-      </p:sp>
     </p:spTree>
     <p:extLst>
       <p:ext uri="{BB962C8B-B14F-4D97-AF65-F5344CB8AC3E}">
